--- a/G1/SEM 1 - Python Programming/PDFs/Unit II Algorithmic Problem solving.pptx
+++ b/G1/SEM 1 - Python Programming/PDFs/Unit II Algorithmic Problem solving.pptx
@@ -18,6 +18,19 @@
     <p:sldId id="267" r:id="rId12"/>
     <p:sldId id="268" r:id="rId13"/>
     <p:sldId id="269" r:id="rId14"/>
+    <p:sldId id="270" r:id="rId15"/>
+    <p:sldId id="271" r:id="rId16"/>
+    <p:sldId id="272" r:id="rId17"/>
+    <p:sldId id="273" r:id="rId18"/>
+    <p:sldId id="274" r:id="rId19"/>
+    <p:sldId id="275" r:id="rId20"/>
+    <p:sldId id="276" r:id="rId21"/>
+    <p:sldId id="277" r:id="rId22"/>
+    <p:sldId id="281" r:id="rId23"/>
+    <p:sldId id="278" r:id="rId24"/>
+    <p:sldId id="279" r:id="rId25"/>
+    <p:sldId id="280" r:id="rId26"/>
+    <p:sldId id="282" r:id="rId27"/>
   </p:sldIdLst>
   <p:sldSz cx="12192000" cy="6858000"/>
   <p:notesSz cx="6858000" cy="9144000"/>
@@ -273,7 +286,7 @@
           <a:p>
             <a:fld id="{7E49FAE2-4107-4BFE-A22A-D2F40479CCF8}" type="datetimeFigureOut">
               <a:rPr lang="en-IN" smtClean="0"/>
-              <a:t>05-12-2020</a:t>
+              <a:t>09-12-2020</a:t>
             </a:fld>
             <a:endParaRPr lang="en-IN"/>
           </a:p>
@@ -473,7 +486,7 @@
           <a:p>
             <a:fld id="{7E49FAE2-4107-4BFE-A22A-D2F40479CCF8}" type="datetimeFigureOut">
               <a:rPr lang="en-IN" smtClean="0"/>
-              <a:t>05-12-2020</a:t>
+              <a:t>09-12-2020</a:t>
             </a:fld>
             <a:endParaRPr lang="en-IN"/>
           </a:p>
@@ -683,7 +696,7 @@
           <a:p>
             <a:fld id="{7E49FAE2-4107-4BFE-A22A-D2F40479CCF8}" type="datetimeFigureOut">
               <a:rPr lang="en-IN" smtClean="0"/>
-              <a:t>05-12-2020</a:t>
+              <a:t>09-12-2020</a:t>
             </a:fld>
             <a:endParaRPr lang="en-IN"/>
           </a:p>
@@ -883,7 +896,7 @@
           <a:p>
             <a:fld id="{7E49FAE2-4107-4BFE-A22A-D2F40479CCF8}" type="datetimeFigureOut">
               <a:rPr lang="en-IN" smtClean="0"/>
-              <a:t>05-12-2020</a:t>
+              <a:t>09-12-2020</a:t>
             </a:fld>
             <a:endParaRPr lang="en-IN"/>
           </a:p>
@@ -1159,7 +1172,7 @@
           <a:p>
             <a:fld id="{7E49FAE2-4107-4BFE-A22A-D2F40479CCF8}" type="datetimeFigureOut">
               <a:rPr lang="en-IN" smtClean="0"/>
-              <a:t>05-12-2020</a:t>
+              <a:t>09-12-2020</a:t>
             </a:fld>
             <a:endParaRPr lang="en-IN"/>
           </a:p>
@@ -1427,7 +1440,7 @@
           <a:p>
             <a:fld id="{7E49FAE2-4107-4BFE-A22A-D2F40479CCF8}" type="datetimeFigureOut">
               <a:rPr lang="en-IN" smtClean="0"/>
-              <a:t>05-12-2020</a:t>
+              <a:t>09-12-2020</a:t>
             </a:fld>
             <a:endParaRPr lang="en-IN"/>
           </a:p>
@@ -1842,7 +1855,7 @@
           <a:p>
             <a:fld id="{7E49FAE2-4107-4BFE-A22A-D2F40479CCF8}" type="datetimeFigureOut">
               <a:rPr lang="en-IN" smtClean="0"/>
-              <a:t>05-12-2020</a:t>
+              <a:t>09-12-2020</a:t>
             </a:fld>
             <a:endParaRPr lang="en-IN"/>
           </a:p>
@@ -1984,7 +1997,7 @@
           <a:p>
             <a:fld id="{7E49FAE2-4107-4BFE-A22A-D2F40479CCF8}" type="datetimeFigureOut">
               <a:rPr lang="en-IN" smtClean="0"/>
-              <a:t>05-12-2020</a:t>
+              <a:t>09-12-2020</a:t>
             </a:fld>
             <a:endParaRPr lang="en-IN"/>
           </a:p>
@@ -2097,7 +2110,7 @@
           <a:p>
             <a:fld id="{7E49FAE2-4107-4BFE-A22A-D2F40479CCF8}" type="datetimeFigureOut">
               <a:rPr lang="en-IN" smtClean="0"/>
-              <a:t>05-12-2020</a:t>
+              <a:t>09-12-2020</a:t>
             </a:fld>
             <a:endParaRPr lang="en-IN"/>
           </a:p>
@@ -2410,7 +2423,7 @@
           <a:p>
             <a:fld id="{7E49FAE2-4107-4BFE-A22A-D2F40479CCF8}" type="datetimeFigureOut">
               <a:rPr lang="en-IN" smtClean="0"/>
-              <a:t>05-12-2020</a:t>
+              <a:t>09-12-2020</a:t>
             </a:fld>
             <a:endParaRPr lang="en-IN"/>
           </a:p>
@@ -2699,7 +2712,7 @@
           <a:p>
             <a:fld id="{7E49FAE2-4107-4BFE-A22A-D2F40479CCF8}" type="datetimeFigureOut">
               <a:rPr lang="en-IN" smtClean="0"/>
-              <a:t>05-12-2020</a:t>
+              <a:t>09-12-2020</a:t>
             </a:fld>
             <a:endParaRPr lang="en-IN"/>
           </a:p>
@@ -2942,7 +2955,7 @@
           <a:p>
             <a:fld id="{7E49FAE2-4107-4BFE-A22A-D2F40479CCF8}" type="datetimeFigureOut">
               <a:rPr lang="en-IN" smtClean="0"/>
-              <a:t>05-12-2020</a:t>
+              <a:t>09-12-2020</a:t>
             </a:fld>
             <a:endParaRPr lang="en-IN"/>
           </a:p>
@@ -4489,6 +4502,1262 @@
 </p:sld>
 </file>
 
+<file path=ppt/slides/slide14.xml><?xml version="1.0" encoding="utf-8"?>
+<p:sld xmlns:a="http://schemas.openxmlformats.org/drawingml/2006/main" xmlns:r="http://schemas.openxmlformats.org/officeDocument/2006/relationships" xmlns:p="http://schemas.openxmlformats.org/presentationml/2006/main">
+  <p:cSld>
+    <p:spTree>
+      <p:nvGrpSpPr>
+        <p:cNvPr id="1" name=""/>
+        <p:cNvGrpSpPr/>
+        <p:nvPr/>
+      </p:nvGrpSpPr>
+      <p:grpSpPr>
+        <a:xfrm>
+          <a:off x="0" y="0"/>
+          <a:ext cx="0" cy="0"/>
+          <a:chOff x="0" y="0"/>
+          <a:chExt cx="0" cy="0"/>
+        </a:xfrm>
+      </p:grpSpPr>
+      <p:sp>
+        <p:nvSpPr>
+          <p:cNvPr id="2" name="Title 1">
+            <a:extLst>
+              <a:ext uri="{FF2B5EF4-FFF2-40B4-BE49-F238E27FC236}">
+                <a16:creationId xmlns:a16="http://schemas.microsoft.com/office/drawing/2014/main" id="{814DE64A-7A32-4FA7-A33C-7D0E76519491}"/>
+              </a:ext>
+            </a:extLst>
+          </p:cNvPr>
+          <p:cNvSpPr>
+            <a:spLocks noGrp="1"/>
+          </p:cNvSpPr>
+          <p:nvPr>
+            <p:ph type="title"/>
+          </p:nvPr>
+        </p:nvSpPr>
+        <p:spPr/>
+        <p:txBody>
+          <a:bodyPr/>
+          <a:lstStyle/>
+          <a:p>
+            <a:r>
+              <a:rPr lang="en-IN" dirty="0"/>
+              <a:t>Anticipating and Dealing with Errors </a:t>
+            </a:r>
+          </a:p>
+        </p:txBody>
+      </p:sp>
+      <p:sp>
+        <p:nvSpPr>
+          <p:cNvPr id="3" name="Content Placeholder 2">
+            <a:extLst>
+              <a:ext uri="{FF2B5EF4-FFF2-40B4-BE49-F238E27FC236}">
+                <a16:creationId xmlns:a16="http://schemas.microsoft.com/office/drawing/2014/main" id="{15817393-C7B9-4574-A93A-B0B088315569}"/>
+              </a:ext>
+            </a:extLst>
+          </p:cNvPr>
+          <p:cNvSpPr>
+            <a:spLocks noGrp="1"/>
+          </p:cNvSpPr>
+          <p:nvPr>
+            <p:ph idx="1"/>
+          </p:nvPr>
+        </p:nvSpPr>
+        <p:spPr/>
+        <p:txBody>
+          <a:bodyPr/>
+          <a:lstStyle/>
+          <a:p>
+            <a:r>
+              <a:rPr lang="en-IN" dirty="0"/>
+              <a:t>Bug:</a:t>
+            </a:r>
+          </a:p>
+          <a:p>
+            <a:pPr lvl="1"/>
+            <a:r>
+              <a:rPr lang="en-US" dirty="0">
+                <a:solidFill>
+                  <a:srgbClr val="0070C0"/>
+                </a:solidFill>
+              </a:rPr>
+              <a:t>a fault in a solution </a:t>
+            </a:r>
+            <a:r>
+              <a:rPr lang="en-US" dirty="0"/>
+              <a:t>that can </a:t>
+            </a:r>
+            <a:r>
+              <a:rPr lang="en-US" dirty="0">
+                <a:solidFill>
+                  <a:srgbClr val="00B050"/>
+                </a:solidFill>
+              </a:rPr>
+              <a:t>cause erroneous </a:t>
+            </a:r>
+            <a:r>
+              <a:rPr lang="en-US" dirty="0" err="1">
+                <a:solidFill>
+                  <a:srgbClr val="00B050"/>
+                </a:solidFill>
+              </a:rPr>
+              <a:t>behaviour</a:t>
+            </a:r>
+            <a:r>
+              <a:rPr lang="en-US" dirty="0">
+                <a:solidFill>
+                  <a:srgbClr val="00B050"/>
+                </a:solidFill>
+              </a:rPr>
+              <a:t>.</a:t>
+            </a:r>
+            <a:endParaRPr lang="en-IN" dirty="0">
+              <a:solidFill>
+                <a:srgbClr val="00B050"/>
+              </a:solidFill>
+            </a:endParaRPr>
+          </a:p>
+          <a:p>
+            <a:pPr marL="457200" lvl="1" indent="0">
+              <a:buNone/>
+            </a:pPr>
+            <a:endParaRPr lang="en-IN" dirty="0"/>
+          </a:p>
+          <a:p>
+            <a:pPr marL="228600" lvl="1">
+              <a:spcBef>
+                <a:spcPts val="1000"/>
+              </a:spcBef>
+            </a:pPr>
+            <a:r>
+              <a:rPr lang="en-US" sz="2800" dirty="0"/>
+              <a:t>Bugs </a:t>
+            </a:r>
+            <a:r>
+              <a:rPr lang="en-US" sz="2800" dirty="0">
+                <a:solidFill>
+                  <a:srgbClr val="0070C0"/>
+                </a:solidFill>
+              </a:rPr>
+              <a:t>can be caught and eliminated at any stage in the development process</a:t>
+            </a:r>
+            <a:r>
+              <a:rPr lang="en-US" sz="2800" dirty="0"/>
+              <a:t>, but the </a:t>
+            </a:r>
+            <a:r>
+              <a:rPr lang="en-US" sz="2800" dirty="0">
+                <a:solidFill>
+                  <a:srgbClr val="00B050"/>
+                </a:solidFill>
+              </a:rPr>
+              <a:t>earlier you find and fix them the better</a:t>
+            </a:r>
+            <a:r>
+              <a:rPr lang="en-US" sz="2800" dirty="0"/>
+              <a:t>.</a:t>
+            </a:r>
+          </a:p>
+          <a:p>
+            <a:pPr marL="228600" lvl="1">
+              <a:spcBef>
+                <a:spcPts val="1000"/>
+              </a:spcBef>
+            </a:pPr>
+            <a:r>
+              <a:rPr lang="en-US" sz="2800" dirty="0">
+                <a:solidFill>
+                  <a:srgbClr val="0070C0"/>
+                </a:solidFill>
+              </a:rPr>
+              <a:t>designing out </a:t>
+            </a:r>
+            <a:r>
+              <a:rPr lang="en-US" sz="2800" dirty="0"/>
+              <a:t>the bugs is a </a:t>
+            </a:r>
+            <a:r>
+              <a:rPr lang="en-US" sz="2800" dirty="0">
+                <a:solidFill>
+                  <a:srgbClr val="00B050"/>
+                </a:solidFill>
+              </a:rPr>
+              <a:t>good practice</a:t>
+            </a:r>
+            <a:r>
+              <a:rPr lang="en-US" sz="2800" dirty="0"/>
+              <a:t>. </a:t>
+            </a:r>
+            <a:endParaRPr lang="en-IN" sz="2800" dirty="0"/>
+          </a:p>
+        </p:txBody>
+      </p:sp>
+    </p:spTree>
+    <p:extLst>
+      <p:ext uri="{BB962C8B-B14F-4D97-AF65-F5344CB8AC3E}">
+        <p14:creationId xmlns:p14="http://schemas.microsoft.com/office/powerpoint/2010/main" val="2575648060"/>
+      </p:ext>
+    </p:extLst>
+  </p:cSld>
+  <p:clrMapOvr>
+    <a:masterClrMapping/>
+  </p:clrMapOvr>
+</p:sld>
+</file>
+
+<file path=ppt/slides/slide15.xml><?xml version="1.0" encoding="utf-8"?>
+<p:sld xmlns:a="http://schemas.openxmlformats.org/drawingml/2006/main" xmlns:r="http://schemas.openxmlformats.org/officeDocument/2006/relationships" xmlns:p="http://schemas.openxmlformats.org/presentationml/2006/main">
+  <p:cSld>
+    <p:spTree>
+      <p:nvGrpSpPr>
+        <p:cNvPr id="1" name=""/>
+        <p:cNvGrpSpPr/>
+        <p:nvPr/>
+      </p:nvGrpSpPr>
+      <p:grpSpPr>
+        <a:xfrm>
+          <a:off x="0" y="0"/>
+          <a:ext cx="0" cy="0"/>
+          <a:chOff x="0" y="0"/>
+          <a:chExt cx="0" cy="0"/>
+        </a:xfrm>
+      </p:grpSpPr>
+      <p:sp>
+        <p:nvSpPr>
+          <p:cNvPr id="2" name="Title 1">
+            <a:extLst>
+              <a:ext uri="{FF2B5EF4-FFF2-40B4-BE49-F238E27FC236}">
+                <a16:creationId xmlns:a16="http://schemas.microsoft.com/office/drawing/2014/main" id="{DFA55E48-08C5-4AEC-BFF7-E45C789E3CE1}"/>
+              </a:ext>
+            </a:extLst>
+          </p:cNvPr>
+          <p:cNvSpPr>
+            <a:spLocks noGrp="1"/>
+          </p:cNvSpPr>
+          <p:nvPr>
+            <p:ph type="title"/>
+          </p:nvPr>
+        </p:nvSpPr>
+        <p:spPr/>
+        <p:txBody>
+          <a:bodyPr/>
+          <a:lstStyle/>
+          <a:p>
+            <a:r>
+              <a:rPr lang="en-IN" dirty="0"/>
+              <a:t>DESIGNING OUT THE BUGS</a:t>
+            </a:r>
+          </a:p>
+        </p:txBody>
+      </p:sp>
+      <p:sp>
+        <p:nvSpPr>
+          <p:cNvPr id="3" name="Content Placeholder 2">
+            <a:extLst>
+              <a:ext uri="{FF2B5EF4-FFF2-40B4-BE49-F238E27FC236}">
+                <a16:creationId xmlns:a16="http://schemas.microsoft.com/office/drawing/2014/main" id="{CC85E135-83C9-4493-A7E8-E260BCEAA9FC}"/>
+              </a:ext>
+            </a:extLst>
+          </p:cNvPr>
+          <p:cNvSpPr>
+            <a:spLocks noGrp="1"/>
+          </p:cNvSpPr>
+          <p:nvPr>
+            <p:ph idx="1"/>
+          </p:nvPr>
+        </p:nvSpPr>
+        <p:spPr/>
+        <p:txBody>
+          <a:bodyPr>
+            <a:normAutofit lnSpcReduction="10000"/>
+          </a:bodyPr>
+          <a:lstStyle/>
+          <a:p>
+            <a:r>
+              <a:rPr lang="en-IN" dirty="0"/>
+              <a:t>Typos</a:t>
+            </a:r>
+          </a:p>
+          <a:p>
+            <a:pPr lvl="1"/>
+            <a:r>
+              <a:rPr lang="en-US" dirty="0"/>
+              <a:t>During the early planning phases, your solution exists in </a:t>
+            </a:r>
+            <a:r>
+              <a:rPr lang="en-US" dirty="0">
+                <a:solidFill>
+                  <a:srgbClr val="00B050"/>
+                </a:solidFill>
+              </a:rPr>
+              <a:t>various design forms</a:t>
+            </a:r>
+            <a:r>
+              <a:rPr lang="en-US" dirty="0"/>
+              <a:t>: </a:t>
+            </a:r>
+            <a:r>
+              <a:rPr lang="en-US" dirty="0">
+                <a:solidFill>
+                  <a:srgbClr val="0070C0"/>
+                </a:solidFill>
+              </a:rPr>
+              <a:t>documents, notes, diagrams, algorithm outlines and so on</a:t>
+            </a:r>
+            <a:endParaRPr lang="en-IN" dirty="0">
+              <a:solidFill>
+                <a:srgbClr val="0070C0"/>
+              </a:solidFill>
+            </a:endParaRPr>
+          </a:p>
+          <a:p>
+            <a:pPr lvl="1"/>
+            <a:r>
+              <a:rPr lang="en-US" dirty="0"/>
+              <a:t>Typos include: </a:t>
+            </a:r>
+            <a:r>
+              <a:rPr lang="en-US" dirty="0">
+                <a:solidFill>
+                  <a:srgbClr val="FF0000"/>
+                </a:solidFill>
+              </a:rPr>
+              <a:t>spelling errors; incorrect </a:t>
+            </a:r>
+            <a:r>
+              <a:rPr lang="en-US" dirty="0" err="1">
+                <a:solidFill>
+                  <a:srgbClr val="FF0000"/>
+                </a:solidFill>
+              </a:rPr>
+              <a:t>capitalisations</a:t>
+            </a:r>
+            <a:r>
+              <a:rPr lang="en-US" dirty="0">
+                <a:solidFill>
+                  <a:srgbClr val="FF0000"/>
+                </a:solidFill>
+              </a:rPr>
+              <a:t>; missing words;  wrong words (for example, ‘phase’ instead of ‘phrase’); numbered lists with incorrect numbering</a:t>
+            </a:r>
+            <a:r>
+              <a:rPr lang="en-US" dirty="0"/>
+              <a:t>, and so on</a:t>
+            </a:r>
+          </a:p>
+          <a:p>
+            <a:pPr marL="228600" lvl="1">
+              <a:spcBef>
+                <a:spcPts val="1000"/>
+              </a:spcBef>
+            </a:pPr>
+            <a:r>
+              <a:rPr lang="en-IN" sz="2800" dirty="0"/>
+              <a:t>Poor grammar and ambiguities</a:t>
+            </a:r>
+          </a:p>
+          <a:p>
+            <a:pPr marL="685800" lvl="2">
+              <a:spcBef>
+                <a:spcPts val="1000"/>
+              </a:spcBef>
+            </a:pPr>
+            <a:r>
+              <a:rPr lang="en-US" sz="2400" dirty="0"/>
+              <a:t>Its </a:t>
+            </a:r>
+            <a:r>
+              <a:rPr lang="en-US" sz="2400" dirty="0">
+                <a:solidFill>
+                  <a:srgbClr val="0070C0"/>
+                </a:solidFill>
+              </a:rPr>
+              <a:t>easy to find the mistake in this sentence</a:t>
+            </a:r>
+            <a:endParaRPr lang="en-IN" sz="2400" dirty="0">
+              <a:solidFill>
+                <a:srgbClr val="0070C0"/>
+              </a:solidFill>
+            </a:endParaRPr>
+          </a:p>
+          <a:p>
+            <a:pPr marL="685800" lvl="2">
+              <a:spcBef>
+                <a:spcPts val="1000"/>
+              </a:spcBef>
+            </a:pPr>
+            <a:r>
+              <a:rPr lang="en-IN" sz="2400" dirty="0" err="1"/>
+              <a:t>Eg</a:t>
+            </a:r>
+            <a:r>
+              <a:rPr lang="en-IN" sz="2400" dirty="0"/>
+              <a:t>: </a:t>
+            </a:r>
+            <a:r>
+              <a:rPr lang="en-US" sz="2400" dirty="0"/>
+              <a:t>After the login process fails a number of times in a row, the incident should be reported in an email to the security administrator</a:t>
+            </a:r>
+            <a:r>
+              <a:rPr lang="en-IN" sz="2400" dirty="0"/>
+              <a:t>. </a:t>
+            </a:r>
+          </a:p>
+          <a:p>
+            <a:pPr marL="685800" lvl="2">
+              <a:spcBef>
+                <a:spcPts val="1000"/>
+              </a:spcBef>
+            </a:pPr>
+            <a:r>
+              <a:rPr lang="en-US" sz="2400" dirty="0"/>
+              <a:t>The intention </a:t>
+            </a:r>
+            <a:r>
+              <a:rPr lang="en-US" sz="2400" dirty="0">
+                <a:solidFill>
+                  <a:srgbClr val="0070C0"/>
+                </a:solidFill>
+              </a:rPr>
+              <a:t>behind this statement is fine</a:t>
+            </a:r>
+            <a:r>
+              <a:rPr lang="en-US" sz="2400" dirty="0"/>
+              <a:t>, but what does </a:t>
+            </a:r>
+            <a:r>
+              <a:rPr lang="en-US" sz="2400" dirty="0">
+                <a:solidFill>
+                  <a:srgbClr val="00B050"/>
+                </a:solidFill>
+              </a:rPr>
+              <a:t>‘a number of times</a:t>
+            </a:r>
+            <a:r>
+              <a:rPr lang="en-US" sz="2400" dirty="0"/>
+              <a:t>’ actually mean? </a:t>
+            </a:r>
+            <a:r>
+              <a:rPr lang="en-US" sz="2400" dirty="0">
+                <a:solidFill>
+                  <a:srgbClr val="FF0000"/>
+                </a:solidFill>
+              </a:rPr>
+              <a:t>Two, five, a hundred</a:t>
+            </a:r>
+            <a:r>
+              <a:rPr lang="en-US" sz="2400" dirty="0"/>
+              <a:t>?</a:t>
+            </a:r>
+            <a:endParaRPr lang="en-IN" sz="2400" dirty="0"/>
+          </a:p>
+        </p:txBody>
+      </p:sp>
+    </p:spTree>
+    <p:extLst>
+      <p:ext uri="{BB962C8B-B14F-4D97-AF65-F5344CB8AC3E}">
+        <p14:creationId xmlns:p14="http://schemas.microsoft.com/office/powerpoint/2010/main" val="1103491880"/>
+      </p:ext>
+    </p:extLst>
+  </p:cSld>
+  <p:clrMapOvr>
+    <a:masterClrMapping/>
+  </p:clrMapOvr>
+</p:sld>
+</file>
+
+<file path=ppt/slides/slide16.xml><?xml version="1.0" encoding="utf-8"?>
+<p:sld xmlns:a="http://schemas.openxmlformats.org/drawingml/2006/main" xmlns:r="http://schemas.openxmlformats.org/officeDocument/2006/relationships" xmlns:p="http://schemas.openxmlformats.org/presentationml/2006/main">
+  <p:cSld>
+    <p:spTree>
+      <p:nvGrpSpPr>
+        <p:cNvPr id="1" name=""/>
+        <p:cNvGrpSpPr/>
+        <p:nvPr/>
+      </p:nvGrpSpPr>
+      <p:grpSpPr>
+        <a:xfrm>
+          <a:off x="0" y="0"/>
+          <a:ext cx="0" cy="0"/>
+          <a:chOff x="0" y="0"/>
+          <a:chExt cx="0" cy="0"/>
+        </a:xfrm>
+      </p:grpSpPr>
+      <p:sp>
+        <p:nvSpPr>
+          <p:cNvPr id="2" name="Title 1">
+            <a:extLst>
+              <a:ext uri="{FF2B5EF4-FFF2-40B4-BE49-F238E27FC236}">
+                <a16:creationId xmlns:a16="http://schemas.microsoft.com/office/drawing/2014/main" id="{F40097FC-4917-4300-8B19-771044A165BA}"/>
+              </a:ext>
+            </a:extLst>
+          </p:cNvPr>
+          <p:cNvSpPr>
+            <a:spLocks noGrp="1"/>
+          </p:cNvSpPr>
+          <p:nvPr>
+            <p:ph type="title"/>
+          </p:nvPr>
+        </p:nvSpPr>
+        <p:spPr/>
+        <p:txBody>
+          <a:bodyPr/>
+          <a:lstStyle/>
+          <a:p>
+            <a:r>
+              <a:rPr lang="en-IN" dirty="0"/>
+              <a:t>DESIGNING OUT THE BUGS                    contd.,</a:t>
+            </a:r>
+          </a:p>
+        </p:txBody>
+      </p:sp>
+      <p:sp>
+        <p:nvSpPr>
+          <p:cNvPr id="3" name="Content Placeholder 2">
+            <a:extLst>
+              <a:ext uri="{FF2B5EF4-FFF2-40B4-BE49-F238E27FC236}">
+                <a16:creationId xmlns:a16="http://schemas.microsoft.com/office/drawing/2014/main" id="{5710469F-BF6D-4403-851C-99A523EC967C}"/>
+              </a:ext>
+            </a:extLst>
+          </p:cNvPr>
+          <p:cNvSpPr>
+            <a:spLocks noGrp="1"/>
+          </p:cNvSpPr>
+          <p:nvPr>
+            <p:ph idx="1"/>
+          </p:nvPr>
+        </p:nvSpPr>
+        <p:spPr/>
+        <p:txBody>
+          <a:bodyPr/>
+          <a:lstStyle/>
+          <a:p>
+            <a:r>
+              <a:rPr lang="en-IN" dirty="0"/>
+              <a:t>Inconsistencies</a:t>
+            </a:r>
+          </a:p>
+          <a:p>
+            <a:pPr lvl="1"/>
+            <a:r>
+              <a:rPr lang="en-US" dirty="0"/>
+              <a:t>An inconsistency arises </a:t>
+            </a:r>
+            <a:r>
+              <a:rPr lang="en-US" dirty="0">
+                <a:solidFill>
+                  <a:srgbClr val="0070C0"/>
+                </a:solidFill>
+              </a:rPr>
+              <a:t>when parts of a solution separately make statements that make no sense when considered together.</a:t>
+            </a:r>
+            <a:endParaRPr lang="en-IN" dirty="0">
+              <a:solidFill>
+                <a:srgbClr val="0070C0"/>
+              </a:solidFill>
+            </a:endParaRPr>
+          </a:p>
+          <a:p>
+            <a:pPr lvl="1"/>
+            <a:r>
+              <a:rPr lang="en-US" dirty="0"/>
+              <a:t>Consider </a:t>
+            </a:r>
+            <a:r>
+              <a:rPr lang="en-US" dirty="0">
+                <a:solidFill>
+                  <a:srgbClr val="0070C0"/>
+                </a:solidFill>
+              </a:rPr>
+              <a:t>the example of the login process (above) rewritten as follows</a:t>
+            </a:r>
+            <a:endParaRPr lang="en-IN" dirty="0">
+              <a:solidFill>
+                <a:srgbClr val="0070C0"/>
+              </a:solidFill>
+            </a:endParaRPr>
+          </a:p>
+          <a:p>
+            <a:pPr lvl="1"/>
+            <a:r>
+              <a:rPr lang="en-IN" dirty="0" err="1"/>
+              <a:t>Eg</a:t>
+            </a:r>
+            <a:r>
+              <a:rPr lang="en-IN" dirty="0"/>
+              <a:t>: </a:t>
+            </a:r>
+            <a:r>
+              <a:rPr lang="en-US" dirty="0"/>
+              <a:t>After </a:t>
+            </a:r>
+            <a:r>
+              <a:rPr lang="en-US" dirty="0">
+                <a:solidFill>
+                  <a:srgbClr val="FF0000"/>
+                </a:solidFill>
+              </a:rPr>
+              <a:t>the login process fails five times in a row</a:t>
+            </a:r>
+            <a:r>
+              <a:rPr lang="en-US" dirty="0"/>
+              <a:t>, </a:t>
+            </a:r>
+            <a:r>
+              <a:rPr lang="en-US" dirty="0">
+                <a:solidFill>
+                  <a:srgbClr val="7030A0"/>
+                </a:solidFill>
+              </a:rPr>
+              <a:t>this incident should be reported in an email to the security administrator. </a:t>
+            </a:r>
+            <a:endParaRPr lang="en-IN" dirty="0">
+              <a:solidFill>
+                <a:srgbClr val="7030A0"/>
+              </a:solidFill>
+            </a:endParaRPr>
+          </a:p>
+          <a:p>
+            <a:pPr lvl="1"/>
+            <a:r>
+              <a:rPr lang="en-US" dirty="0">
+                <a:solidFill>
+                  <a:srgbClr val="00B050"/>
+                </a:solidFill>
+              </a:rPr>
+              <a:t>Also imagine that a different part of the solution contains the following statement:</a:t>
+            </a:r>
+            <a:endParaRPr lang="en-IN" dirty="0">
+              <a:solidFill>
+                <a:srgbClr val="00B050"/>
+              </a:solidFill>
+            </a:endParaRPr>
+          </a:p>
+          <a:p>
+            <a:pPr lvl="1"/>
+            <a:r>
+              <a:rPr lang="en-US" dirty="0"/>
+              <a:t>After </a:t>
+            </a:r>
+            <a:r>
+              <a:rPr lang="en-US" dirty="0">
+                <a:solidFill>
+                  <a:srgbClr val="FF0000"/>
+                </a:solidFill>
+              </a:rPr>
+              <a:t>the login process fails three times in a row</a:t>
+            </a:r>
+            <a:r>
+              <a:rPr lang="en-US" dirty="0"/>
+              <a:t>, </a:t>
+            </a:r>
+            <a:r>
+              <a:rPr lang="en-US" dirty="0">
+                <a:solidFill>
+                  <a:srgbClr val="7030A0"/>
+                </a:solidFill>
+              </a:rPr>
+              <a:t>the login screen should automatically lock and refuse further login attempts.</a:t>
+            </a:r>
+            <a:endParaRPr lang="en-IN" dirty="0">
+              <a:solidFill>
+                <a:srgbClr val="7030A0"/>
+              </a:solidFill>
+            </a:endParaRPr>
+          </a:p>
+          <a:p>
+            <a:pPr lvl="1"/>
+            <a:r>
+              <a:rPr lang="en-US" dirty="0"/>
+              <a:t>Here </a:t>
+            </a:r>
+            <a:r>
+              <a:rPr lang="en-US" dirty="0">
+                <a:solidFill>
+                  <a:srgbClr val="0070C0"/>
+                </a:solidFill>
+              </a:rPr>
+              <a:t>we have an inconsistency</a:t>
+            </a:r>
+            <a:endParaRPr lang="en-IN" dirty="0">
+              <a:solidFill>
+                <a:srgbClr val="0070C0"/>
+              </a:solidFill>
+            </a:endParaRPr>
+          </a:p>
+        </p:txBody>
+      </p:sp>
+    </p:spTree>
+    <p:extLst>
+      <p:ext uri="{BB962C8B-B14F-4D97-AF65-F5344CB8AC3E}">
+        <p14:creationId xmlns:p14="http://schemas.microsoft.com/office/powerpoint/2010/main" val="2040540031"/>
+      </p:ext>
+    </p:extLst>
+  </p:cSld>
+  <p:clrMapOvr>
+    <a:masterClrMapping/>
+  </p:clrMapOvr>
+</p:sld>
+</file>
+
+<file path=ppt/slides/slide17.xml><?xml version="1.0" encoding="utf-8"?>
+<p:sld xmlns:a="http://schemas.openxmlformats.org/drawingml/2006/main" xmlns:r="http://schemas.openxmlformats.org/officeDocument/2006/relationships" xmlns:p="http://schemas.openxmlformats.org/presentationml/2006/main">
+  <p:cSld>
+    <p:spTree>
+      <p:nvGrpSpPr>
+        <p:cNvPr id="1" name=""/>
+        <p:cNvGrpSpPr/>
+        <p:nvPr/>
+      </p:nvGrpSpPr>
+      <p:grpSpPr>
+        <a:xfrm>
+          <a:off x="0" y="0"/>
+          <a:ext cx="0" cy="0"/>
+          <a:chOff x="0" y="0"/>
+          <a:chExt cx="0" cy="0"/>
+        </a:xfrm>
+      </p:grpSpPr>
+      <p:sp>
+        <p:nvSpPr>
+          <p:cNvPr id="2" name="Title 1">
+            <a:extLst>
+              <a:ext uri="{FF2B5EF4-FFF2-40B4-BE49-F238E27FC236}">
+                <a16:creationId xmlns:a16="http://schemas.microsoft.com/office/drawing/2014/main" id="{C1361DEF-A3CF-43AC-AFFA-CD0F424A6E0D}"/>
+              </a:ext>
+            </a:extLst>
+          </p:cNvPr>
+          <p:cNvSpPr>
+            <a:spLocks noGrp="1"/>
+          </p:cNvSpPr>
+          <p:nvPr>
+            <p:ph type="title"/>
+          </p:nvPr>
+        </p:nvSpPr>
+        <p:spPr/>
+        <p:txBody>
+          <a:bodyPr/>
+          <a:lstStyle/>
+          <a:p>
+            <a:r>
+              <a:rPr lang="en-IN" dirty="0"/>
+              <a:t>DESIGNING OUT THE BUGS                    contd.,</a:t>
+            </a:r>
+          </a:p>
+        </p:txBody>
+      </p:sp>
+      <p:sp>
+        <p:nvSpPr>
+          <p:cNvPr id="3" name="Content Placeholder 2">
+            <a:extLst>
+              <a:ext uri="{FF2B5EF4-FFF2-40B4-BE49-F238E27FC236}">
+                <a16:creationId xmlns:a16="http://schemas.microsoft.com/office/drawing/2014/main" id="{31EFB38A-0987-4826-A759-FD66375C9635}"/>
+              </a:ext>
+            </a:extLst>
+          </p:cNvPr>
+          <p:cNvSpPr>
+            <a:spLocks noGrp="1"/>
+          </p:cNvSpPr>
+          <p:nvPr>
+            <p:ph idx="1"/>
+          </p:nvPr>
+        </p:nvSpPr>
+        <p:spPr/>
+        <p:txBody>
+          <a:bodyPr/>
+          <a:lstStyle/>
+          <a:p>
+            <a:r>
+              <a:rPr lang="en-IN" dirty="0"/>
+              <a:t>Logical and mathematical errors: </a:t>
+            </a:r>
+          </a:p>
+          <a:p>
+            <a:pPr marL="0" indent="0">
+              <a:buNone/>
+            </a:pPr>
+            <a:r>
+              <a:rPr lang="en-US" dirty="0">
+                <a:solidFill>
+                  <a:srgbClr val="0070C0"/>
+                </a:solidFill>
+              </a:rPr>
+              <a:t>to print the maximum value of two numbers, x and y.</a:t>
+            </a:r>
+            <a:endParaRPr lang="en-IN" dirty="0">
+              <a:solidFill>
+                <a:srgbClr val="0070C0"/>
+              </a:solidFill>
+            </a:endParaRPr>
+          </a:p>
+          <a:p>
+            <a:pPr lvl="1"/>
+            <a:r>
+              <a:rPr lang="en-IN" dirty="0" err="1"/>
+              <a:t>Eg</a:t>
+            </a:r>
+            <a:r>
+              <a:rPr lang="en-IN" dirty="0"/>
+              <a:t> :</a:t>
+            </a:r>
+            <a:r>
+              <a:rPr lang="en-US" dirty="0"/>
+              <a:t>If x &gt; y, then print y </a:t>
+            </a:r>
+          </a:p>
+          <a:p>
+            <a:pPr marL="457200" lvl="1" indent="0">
+              <a:buNone/>
+            </a:pPr>
+            <a:r>
+              <a:rPr lang="en-US" dirty="0"/>
+              <a:t>Otherwise if y &gt; x, then print x</a:t>
+            </a:r>
+          </a:p>
+          <a:p>
+            <a:pPr lvl="1"/>
+            <a:r>
+              <a:rPr lang="en-US" dirty="0"/>
+              <a:t>This actually contains two bugs:</a:t>
+            </a:r>
+          </a:p>
+          <a:p>
+            <a:pPr marL="914400" lvl="1" indent="-457200">
+              <a:buAutoNum type="arabicPeriod"/>
+            </a:pPr>
+            <a:r>
+              <a:rPr lang="en-US" dirty="0">
+                <a:solidFill>
+                  <a:srgbClr val="FF0000"/>
+                </a:solidFill>
+              </a:rPr>
+              <a:t>the algorithm prints the minimum instead of the maximum.</a:t>
+            </a:r>
+          </a:p>
+          <a:p>
+            <a:pPr marL="914400" lvl="1" indent="-457200">
+              <a:buAutoNum type="arabicPeriod"/>
+            </a:pPr>
+            <a:r>
+              <a:rPr lang="en-US" dirty="0">
+                <a:solidFill>
+                  <a:srgbClr val="FF0000"/>
+                </a:solidFill>
+              </a:rPr>
+              <a:t>what happens if both numbers are equal?</a:t>
+            </a:r>
+          </a:p>
+          <a:p>
+            <a:pPr marL="228600" lvl="1">
+              <a:spcBef>
+                <a:spcPts val="1000"/>
+              </a:spcBef>
+            </a:pPr>
+            <a:r>
+              <a:rPr lang="en-US" sz="2800" dirty="0" err="1"/>
+              <a:t>Eg</a:t>
+            </a:r>
+            <a:r>
+              <a:rPr lang="en-US" sz="2800" dirty="0"/>
+              <a:t>: divide by zero </a:t>
+            </a:r>
+            <a:endParaRPr lang="en-IN" sz="2800" dirty="0"/>
+          </a:p>
+        </p:txBody>
+      </p:sp>
+    </p:spTree>
+    <p:extLst>
+      <p:ext uri="{BB962C8B-B14F-4D97-AF65-F5344CB8AC3E}">
+        <p14:creationId xmlns:p14="http://schemas.microsoft.com/office/powerpoint/2010/main" val="4276003087"/>
+      </p:ext>
+    </p:extLst>
+  </p:cSld>
+  <p:clrMapOvr>
+    <a:masterClrMapping/>
+  </p:clrMapOvr>
+</p:sld>
+</file>
+
+<file path=ppt/slides/slide18.xml><?xml version="1.0" encoding="utf-8"?>
+<p:sld xmlns:a="http://schemas.openxmlformats.org/drawingml/2006/main" xmlns:r="http://schemas.openxmlformats.org/officeDocument/2006/relationships" xmlns:p="http://schemas.openxmlformats.org/presentationml/2006/main">
+  <p:cSld>
+    <p:spTree>
+      <p:nvGrpSpPr>
+        <p:cNvPr id="1" name=""/>
+        <p:cNvGrpSpPr/>
+        <p:nvPr/>
+      </p:nvGrpSpPr>
+      <p:grpSpPr>
+        <a:xfrm>
+          <a:off x="0" y="0"/>
+          <a:ext cx="0" cy="0"/>
+          <a:chOff x="0" y="0"/>
+          <a:chExt cx="0" cy="0"/>
+        </a:xfrm>
+      </p:grpSpPr>
+      <p:sp>
+        <p:nvSpPr>
+          <p:cNvPr id="2" name="Title 1">
+            <a:extLst>
+              <a:ext uri="{FF2B5EF4-FFF2-40B4-BE49-F238E27FC236}">
+                <a16:creationId xmlns:a16="http://schemas.microsoft.com/office/drawing/2014/main" id="{43FE8479-AEA5-439C-BC37-C175FE1163F1}"/>
+              </a:ext>
+            </a:extLst>
+          </p:cNvPr>
+          <p:cNvSpPr>
+            <a:spLocks noGrp="1"/>
+          </p:cNvSpPr>
+          <p:nvPr>
+            <p:ph type="title"/>
+          </p:nvPr>
+        </p:nvSpPr>
+        <p:spPr/>
+        <p:txBody>
+          <a:bodyPr/>
+          <a:lstStyle/>
+          <a:p>
+            <a:r>
+              <a:rPr lang="en-IN" dirty="0"/>
+              <a:t>MITIGATING ERRORS</a:t>
+            </a:r>
+          </a:p>
+        </p:txBody>
+      </p:sp>
+      <p:sp>
+        <p:nvSpPr>
+          <p:cNvPr id="3" name="Content Placeholder 2">
+            <a:extLst>
+              <a:ext uri="{FF2B5EF4-FFF2-40B4-BE49-F238E27FC236}">
+                <a16:creationId xmlns:a16="http://schemas.microsoft.com/office/drawing/2014/main" id="{8A4CE247-1B27-4DBD-BF14-EFD14AB8A024}"/>
+              </a:ext>
+            </a:extLst>
+          </p:cNvPr>
+          <p:cNvSpPr>
+            <a:spLocks noGrp="1"/>
+          </p:cNvSpPr>
+          <p:nvPr>
+            <p:ph idx="1"/>
+          </p:nvPr>
+        </p:nvSpPr>
+        <p:spPr/>
+        <p:txBody>
+          <a:bodyPr/>
+          <a:lstStyle/>
+          <a:p>
+            <a:r>
+              <a:rPr lang="en-IN" dirty="0"/>
+              <a:t>Getting defensive</a:t>
+            </a:r>
+          </a:p>
+          <a:p>
+            <a:pPr lvl="1"/>
+            <a:r>
+              <a:rPr lang="en-US" dirty="0"/>
+              <a:t>One way </a:t>
+            </a:r>
+            <a:r>
+              <a:rPr lang="en-US" dirty="0">
+                <a:solidFill>
+                  <a:srgbClr val="0070C0"/>
+                </a:solidFill>
+              </a:rPr>
+              <a:t>to </a:t>
+            </a:r>
+            <a:r>
+              <a:rPr lang="en-US" dirty="0" err="1">
+                <a:solidFill>
+                  <a:srgbClr val="0070C0"/>
+                </a:solidFill>
+              </a:rPr>
+              <a:t>minimise</a:t>
+            </a:r>
+            <a:r>
+              <a:rPr lang="en-US" dirty="0">
+                <a:solidFill>
+                  <a:srgbClr val="0070C0"/>
+                </a:solidFill>
+              </a:rPr>
+              <a:t> the effects of errors </a:t>
+            </a:r>
+            <a:r>
+              <a:rPr lang="en-US" dirty="0"/>
+              <a:t>is </a:t>
+            </a:r>
+            <a:r>
+              <a:rPr lang="en-US" dirty="0">
+                <a:solidFill>
+                  <a:srgbClr val="00B050"/>
+                </a:solidFill>
+              </a:rPr>
+              <a:t>to anticipate where a problem might occur and then put some ‘protective barriers’ in place</a:t>
+            </a:r>
+            <a:r>
+              <a:rPr lang="en-US" dirty="0"/>
+              <a:t>.</a:t>
+            </a:r>
+            <a:r>
+              <a:rPr lang="en-IN" dirty="0"/>
+              <a:t> - calls this </a:t>
+            </a:r>
+            <a:r>
+              <a:rPr lang="en-IN" dirty="0">
+                <a:solidFill>
+                  <a:srgbClr val="FF0000"/>
+                </a:solidFill>
+              </a:rPr>
+              <a:t>defensive programming.</a:t>
+            </a:r>
+          </a:p>
+          <a:p>
+            <a:pPr lvl="1"/>
+            <a:r>
+              <a:rPr lang="en-US" dirty="0">
+                <a:solidFill>
+                  <a:srgbClr val="0070C0"/>
+                </a:solidFill>
+              </a:rPr>
+              <a:t>The approach verifies that certain conditions are as expected </a:t>
+            </a:r>
+            <a:r>
+              <a:rPr lang="en-US" dirty="0"/>
+              <a:t>before carrying out the main business of the solution. </a:t>
+            </a:r>
+            <a:r>
+              <a:rPr lang="en-US" dirty="0">
+                <a:solidFill>
+                  <a:srgbClr val="0070C0"/>
+                </a:solidFill>
+              </a:rPr>
+              <a:t>A failure to meet those conditions could </a:t>
+            </a:r>
+            <a:r>
+              <a:rPr lang="en-US" dirty="0">
+                <a:solidFill>
+                  <a:srgbClr val="00B050"/>
+                </a:solidFill>
+              </a:rPr>
+              <a:t>either indicate anything from a warning to a potential system failure. </a:t>
+            </a:r>
+            <a:endParaRPr lang="en-IN" dirty="0">
+              <a:solidFill>
+                <a:srgbClr val="00B050"/>
+              </a:solidFill>
+            </a:endParaRPr>
+          </a:p>
+          <a:p>
+            <a:pPr marL="228600" lvl="1">
+              <a:spcBef>
+                <a:spcPts val="1000"/>
+              </a:spcBef>
+            </a:pPr>
+            <a:r>
+              <a:rPr lang="en-IN" sz="2800" dirty="0"/>
+              <a:t>Reacting to problems</a:t>
+            </a:r>
+          </a:p>
+          <a:p>
+            <a:pPr lvl="1"/>
+            <a:r>
+              <a:rPr lang="en-US" dirty="0">
+                <a:solidFill>
+                  <a:srgbClr val="0070C0"/>
+                </a:solidFill>
+              </a:rPr>
+              <a:t>If the severity is low, </a:t>
+            </a:r>
+            <a:r>
+              <a:rPr lang="en-US" dirty="0"/>
+              <a:t>the action taken could be something as minor as displaying a message</a:t>
+            </a:r>
+            <a:r>
+              <a:rPr lang="en-US" dirty="0">
+                <a:solidFill>
+                  <a:srgbClr val="0070C0"/>
+                </a:solidFill>
+              </a:rPr>
+              <a:t>. If the severity is high </a:t>
+            </a:r>
+            <a:r>
+              <a:rPr lang="en-US" dirty="0"/>
+              <a:t>and </a:t>
+            </a:r>
+            <a:r>
+              <a:rPr lang="en-US" dirty="0">
+                <a:solidFill>
+                  <a:srgbClr val="00B050"/>
+                </a:solidFill>
+              </a:rPr>
+              <a:t>risks causing real damage</a:t>
+            </a:r>
+            <a:r>
+              <a:rPr lang="en-US" dirty="0"/>
+              <a:t>, </a:t>
+            </a:r>
+            <a:r>
+              <a:rPr lang="en-US" dirty="0">
+                <a:solidFill>
+                  <a:srgbClr val="FF0000"/>
+                </a:solidFill>
+              </a:rPr>
+              <a:t>the system should enter into some kind of emergency mode or even shut down.</a:t>
+            </a:r>
+            <a:endParaRPr lang="en-IN" dirty="0">
+              <a:solidFill>
+                <a:srgbClr val="FF0000"/>
+              </a:solidFill>
+            </a:endParaRPr>
+          </a:p>
+        </p:txBody>
+      </p:sp>
+    </p:spTree>
+    <p:extLst>
+      <p:ext uri="{BB962C8B-B14F-4D97-AF65-F5344CB8AC3E}">
+        <p14:creationId xmlns:p14="http://schemas.microsoft.com/office/powerpoint/2010/main" val="3039904172"/>
+      </p:ext>
+    </p:extLst>
+  </p:cSld>
+  <p:clrMapOvr>
+    <a:masterClrMapping/>
+  </p:clrMapOvr>
+</p:sld>
+</file>
+
+<file path=ppt/slides/slide19.xml><?xml version="1.0" encoding="utf-8"?>
+<p:sld xmlns:a="http://schemas.openxmlformats.org/drawingml/2006/main" xmlns:r="http://schemas.openxmlformats.org/officeDocument/2006/relationships" xmlns:p="http://schemas.openxmlformats.org/presentationml/2006/main">
+  <p:cSld>
+    <p:spTree>
+      <p:nvGrpSpPr>
+        <p:cNvPr id="1" name=""/>
+        <p:cNvGrpSpPr/>
+        <p:nvPr/>
+      </p:nvGrpSpPr>
+      <p:grpSpPr>
+        <a:xfrm>
+          <a:off x="0" y="0"/>
+          <a:ext cx="0" cy="0"/>
+          <a:chOff x="0" y="0"/>
+          <a:chExt cx="0" cy="0"/>
+        </a:xfrm>
+      </p:grpSpPr>
+      <p:sp>
+        <p:nvSpPr>
+          <p:cNvPr id="2" name="Title 1">
+            <a:extLst>
+              <a:ext uri="{FF2B5EF4-FFF2-40B4-BE49-F238E27FC236}">
+                <a16:creationId xmlns:a16="http://schemas.microsoft.com/office/drawing/2014/main" id="{650D25CB-4A4E-443F-8212-841CB44ED84A}"/>
+              </a:ext>
+            </a:extLst>
+          </p:cNvPr>
+          <p:cNvSpPr>
+            <a:spLocks noGrp="1"/>
+          </p:cNvSpPr>
+          <p:nvPr>
+            <p:ph type="title"/>
+          </p:nvPr>
+        </p:nvSpPr>
+        <p:spPr/>
+        <p:txBody>
+          <a:bodyPr/>
+          <a:lstStyle/>
+          <a:p>
+            <a:endParaRPr lang="en-IN"/>
+          </a:p>
+        </p:txBody>
+      </p:sp>
+      <p:sp>
+        <p:nvSpPr>
+          <p:cNvPr id="3" name="Content Placeholder 2">
+            <a:extLst>
+              <a:ext uri="{FF2B5EF4-FFF2-40B4-BE49-F238E27FC236}">
+                <a16:creationId xmlns:a16="http://schemas.microsoft.com/office/drawing/2014/main" id="{C0637354-4365-41F0-9B50-70285FF23893}"/>
+              </a:ext>
+            </a:extLst>
+          </p:cNvPr>
+          <p:cNvSpPr>
+            <a:spLocks noGrp="1"/>
+          </p:cNvSpPr>
+          <p:nvPr>
+            <p:ph idx="1"/>
+          </p:nvPr>
+        </p:nvSpPr>
+        <p:spPr/>
+        <p:txBody>
+          <a:bodyPr/>
+          <a:lstStyle/>
+          <a:p>
+            <a:r>
+              <a:rPr lang="en-IN" dirty="0"/>
+              <a:t>Checking user input</a:t>
+            </a:r>
+          </a:p>
+          <a:p>
+            <a:pPr lvl="1"/>
+            <a:r>
+              <a:rPr lang="en-IN" dirty="0" err="1"/>
+              <a:t>Eg</a:t>
+            </a:r>
+            <a:r>
+              <a:rPr lang="en-IN" dirty="0"/>
+              <a:t>: </a:t>
+            </a:r>
+            <a:r>
+              <a:rPr lang="en-US" dirty="0">
+                <a:solidFill>
+                  <a:srgbClr val="0070C0"/>
+                </a:solidFill>
+              </a:rPr>
+              <a:t>If your solution expects a number, </a:t>
+            </a:r>
+            <a:r>
+              <a:rPr lang="en-US" dirty="0"/>
+              <a:t>check that it really is a number before doing anything with it.</a:t>
+            </a:r>
+          </a:p>
+          <a:p>
+            <a:pPr lvl="1"/>
+            <a:r>
+              <a:rPr lang="en-US" dirty="0">
+                <a:solidFill>
+                  <a:srgbClr val="0070C0"/>
+                </a:solidFill>
+              </a:rPr>
+              <a:t>Similarly, if your solution requires input within a certain range</a:t>
+            </a:r>
+            <a:r>
+              <a:rPr lang="en-US" dirty="0"/>
+              <a:t>, check it after it’s been entered.</a:t>
+            </a:r>
+          </a:p>
+          <a:p>
+            <a:pPr lvl="1"/>
+            <a:r>
+              <a:rPr lang="en-US" dirty="0">
+                <a:solidFill>
+                  <a:srgbClr val="0070C0"/>
+                </a:solidFill>
+              </a:rPr>
+              <a:t>Incorrect formats</a:t>
+            </a:r>
+            <a:r>
+              <a:rPr lang="en-US" dirty="0"/>
+              <a:t>: phone numbers, website URLs, email addresses, dates and times are all examples of data that must match a specific format.</a:t>
+            </a:r>
+            <a:endParaRPr lang="en-IN" dirty="0"/>
+          </a:p>
+        </p:txBody>
+      </p:sp>
+    </p:spTree>
+    <p:extLst>
+      <p:ext uri="{BB962C8B-B14F-4D97-AF65-F5344CB8AC3E}">
+        <p14:creationId xmlns:p14="http://schemas.microsoft.com/office/powerpoint/2010/main" val="1950743287"/>
+      </p:ext>
+    </p:extLst>
+  </p:cSld>
+  <p:clrMapOvr>
+    <a:masterClrMapping/>
+  </p:clrMapOvr>
+</p:sld>
+</file>
+
 <file path=ppt/slides/slide2.xml><?xml version="1.0" encoding="utf-8"?>
 <p:sld xmlns:a="http://schemas.openxmlformats.org/drawingml/2006/main" xmlns:r="http://schemas.openxmlformats.org/officeDocument/2006/relationships" xmlns:p="http://schemas.openxmlformats.org/presentationml/2006/main">
   <p:cSld>
@@ -4727,6 +5996,1197 @@
     <p:extLst>
       <p:ext uri="{BB962C8B-B14F-4D97-AF65-F5344CB8AC3E}">
         <p14:creationId xmlns:p14="http://schemas.microsoft.com/office/powerpoint/2010/main" val="2376739592"/>
+      </p:ext>
+    </p:extLst>
+  </p:cSld>
+  <p:clrMapOvr>
+    <a:masterClrMapping/>
+  </p:clrMapOvr>
+</p:sld>
+</file>
+
+<file path=ppt/slides/slide20.xml><?xml version="1.0" encoding="utf-8"?>
+<p:sld xmlns:a="http://schemas.openxmlformats.org/drawingml/2006/main" xmlns:r="http://schemas.openxmlformats.org/officeDocument/2006/relationships" xmlns:p="http://schemas.openxmlformats.org/presentationml/2006/main">
+  <p:cSld>
+    <p:spTree>
+      <p:nvGrpSpPr>
+        <p:cNvPr id="1" name=""/>
+        <p:cNvGrpSpPr/>
+        <p:nvPr/>
+      </p:nvGrpSpPr>
+      <p:grpSpPr>
+        <a:xfrm>
+          <a:off x="0" y="0"/>
+          <a:ext cx="0" cy="0"/>
+          <a:chOff x="0" y="0"/>
+          <a:chExt cx="0" cy="0"/>
+        </a:xfrm>
+      </p:grpSpPr>
+      <p:sp>
+        <p:nvSpPr>
+          <p:cNvPr id="2" name="Title 1">
+            <a:extLst>
+              <a:ext uri="{FF2B5EF4-FFF2-40B4-BE49-F238E27FC236}">
+                <a16:creationId xmlns:a16="http://schemas.microsoft.com/office/drawing/2014/main" id="{2F8C821E-B84F-4FB0-8210-16F371A33B0C}"/>
+              </a:ext>
+            </a:extLst>
+          </p:cNvPr>
+          <p:cNvSpPr>
+            <a:spLocks noGrp="1"/>
+          </p:cNvSpPr>
+          <p:nvPr>
+            <p:ph type="title"/>
+          </p:nvPr>
+        </p:nvSpPr>
+        <p:spPr/>
+        <p:txBody>
+          <a:bodyPr/>
+          <a:lstStyle/>
+          <a:p>
+            <a:r>
+              <a:rPr lang="en-IN" dirty="0"/>
+              <a:t>TESTING</a:t>
+            </a:r>
+          </a:p>
+        </p:txBody>
+      </p:sp>
+      <p:sp>
+        <p:nvSpPr>
+          <p:cNvPr id="3" name="Content Placeholder 2">
+            <a:extLst>
+              <a:ext uri="{FF2B5EF4-FFF2-40B4-BE49-F238E27FC236}">
+                <a16:creationId xmlns:a16="http://schemas.microsoft.com/office/drawing/2014/main" id="{987B9162-04FE-4728-A42F-4A491998CC3A}"/>
+              </a:ext>
+            </a:extLst>
+          </p:cNvPr>
+          <p:cNvSpPr>
+            <a:spLocks noGrp="1"/>
+          </p:cNvSpPr>
+          <p:nvPr>
+            <p:ph idx="1"/>
+          </p:nvPr>
+        </p:nvSpPr>
+        <p:spPr/>
+        <p:txBody>
+          <a:bodyPr/>
+          <a:lstStyle/>
+          <a:p>
+            <a:r>
+              <a:rPr lang="en-US" dirty="0"/>
+              <a:t>a </a:t>
+            </a:r>
+            <a:r>
+              <a:rPr lang="en-US" dirty="0">
+                <a:solidFill>
+                  <a:srgbClr val="0070C0"/>
+                </a:solidFill>
+              </a:rPr>
+              <a:t>method for locating hidden bugs in a fully or partially working system</a:t>
+            </a:r>
+            <a:r>
+              <a:rPr lang="en-US" dirty="0"/>
+              <a:t>.</a:t>
+            </a:r>
+          </a:p>
+          <a:p>
+            <a:r>
+              <a:rPr lang="en-US" dirty="0"/>
+              <a:t>The aim of testing is </a:t>
+            </a:r>
+            <a:r>
+              <a:rPr lang="en-US" dirty="0">
+                <a:solidFill>
+                  <a:srgbClr val="0070C0"/>
+                </a:solidFill>
+              </a:rPr>
+              <a:t>to use the actual system you’ve produced </a:t>
+            </a:r>
+            <a:r>
+              <a:rPr lang="en-US" dirty="0">
+                <a:solidFill>
+                  <a:srgbClr val="FF0000"/>
+                </a:solidFill>
+              </a:rPr>
+              <a:t>in order to verify whether it performs as expected</a:t>
+            </a:r>
+            <a:r>
+              <a:rPr lang="en-US" dirty="0"/>
+              <a:t> and </a:t>
+            </a:r>
+            <a:r>
+              <a:rPr lang="en-US" dirty="0">
+                <a:solidFill>
+                  <a:srgbClr val="FF0000"/>
+                </a:solidFill>
+              </a:rPr>
+              <a:t>to identify specific areas where it fails.</a:t>
+            </a:r>
+          </a:p>
+          <a:p>
+            <a:r>
+              <a:rPr lang="en-US" dirty="0"/>
+              <a:t>Top down testing and bottom up testing</a:t>
+            </a:r>
+            <a:endParaRPr lang="en-IN" dirty="0"/>
+          </a:p>
+        </p:txBody>
+      </p:sp>
+    </p:spTree>
+    <p:extLst>
+      <p:ext uri="{BB962C8B-B14F-4D97-AF65-F5344CB8AC3E}">
+        <p14:creationId xmlns:p14="http://schemas.microsoft.com/office/powerpoint/2010/main" val="1588530090"/>
+      </p:ext>
+    </p:extLst>
+  </p:cSld>
+  <p:clrMapOvr>
+    <a:masterClrMapping/>
+  </p:clrMapOvr>
+</p:sld>
+</file>
+
+<file path=ppt/slides/slide21.xml><?xml version="1.0" encoding="utf-8"?>
+<p:sld xmlns:a="http://schemas.openxmlformats.org/drawingml/2006/main" xmlns:r="http://schemas.openxmlformats.org/officeDocument/2006/relationships" xmlns:p="http://schemas.openxmlformats.org/presentationml/2006/main">
+  <p:cSld>
+    <p:spTree>
+      <p:nvGrpSpPr>
+        <p:cNvPr id="1" name=""/>
+        <p:cNvGrpSpPr/>
+        <p:nvPr/>
+      </p:nvGrpSpPr>
+      <p:grpSpPr>
+        <a:xfrm>
+          <a:off x="0" y="0"/>
+          <a:ext cx="0" cy="0"/>
+          <a:chOff x="0" y="0"/>
+          <a:chExt cx="0" cy="0"/>
+        </a:xfrm>
+      </p:grpSpPr>
+      <p:sp>
+        <p:nvSpPr>
+          <p:cNvPr id="2" name="Title 1">
+            <a:extLst>
+              <a:ext uri="{FF2B5EF4-FFF2-40B4-BE49-F238E27FC236}">
+                <a16:creationId xmlns:a16="http://schemas.microsoft.com/office/drawing/2014/main" id="{4A48220B-1246-4A30-A19C-2596A6684D20}"/>
+              </a:ext>
+            </a:extLst>
+          </p:cNvPr>
+          <p:cNvSpPr>
+            <a:spLocks noGrp="1"/>
+          </p:cNvSpPr>
+          <p:nvPr>
+            <p:ph type="title"/>
+          </p:nvPr>
+        </p:nvSpPr>
+        <p:spPr/>
+        <p:txBody>
+          <a:bodyPr/>
+          <a:lstStyle/>
+          <a:p>
+            <a:r>
+              <a:rPr lang="en-IN" dirty="0"/>
+              <a:t>DEBUGGING</a:t>
+            </a:r>
+          </a:p>
+        </p:txBody>
+      </p:sp>
+      <p:sp>
+        <p:nvSpPr>
+          <p:cNvPr id="3" name="Content Placeholder 2">
+            <a:extLst>
+              <a:ext uri="{FF2B5EF4-FFF2-40B4-BE49-F238E27FC236}">
+                <a16:creationId xmlns:a16="http://schemas.microsoft.com/office/drawing/2014/main" id="{BF4FCF38-C9A5-4D96-823B-D1240DEFEA94}"/>
+              </a:ext>
+            </a:extLst>
+          </p:cNvPr>
+          <p:cNvSpPr>
+            <a:spLocks noGrp="1"/>
+          </p:cNvSpPr>
+          <p:nvPr>
+            <p:ph idx="1"/>
+          </p:nvPr>
+        </p:nvSpPr>
+        <p:spPr/>
+        <p:txBody>
+          <a:bodyPr/>
+          <a:lstStyle/>
+          <a:p>
+            <a:r>
+              <a:rPr lang="en-US" dirty="0"/>
+              <a:t>Your goal is </a:t>
+            </a:r>
+            <a:r>
+              <a:rPr lang="en-US" dirty="0">
+                <a:solidFill>
+                  <a:srgbClr val="0070C0"/>
+                </a:solidFill>
+              </a:rPr>
+              <a:t>to explain the facts </a:t>
+            </a:r>
+            <a:r>
+              <a:rPr lang="en-US" dirty="0"/>
+              <a:t>(that is, </a:t>
+            </a:r>
+            <a:r>
+              <a:rPr lang="en-US" dirty="0">
+                <a:solidFill>
+                  <a:srgbClr val="FF0000"/>
+                </a:solidFill>
+              </a:rPr>
+              <a:t>the specific error(s) that occurred</a:t>
+            </a:r>
+            <a:r>
+              <a:rPr lang="en-US" dirty="0"/>
+              <a:t>) and </a:t>
+            </a:r>
+            <a:r>
+              <a:rPr lang="en-US" dirty="0">
+                <a:solidFill>
+                  <a:srgbClr val="0070C0"/>
+                </a:solidFill>
+              </a:rPr>
+              <a:t>reconstruct the chain of events that led up to them</a:t>
+            </a:r>
+            <a:r>
+              <a:rPr lang="en-US" dirty="0"/>
+              <a:t>. </a:t>
+            </a:r>
+          </a:p>
+          <a:p>
+            <a:r>
+              <a:rPr lang="en-US" dirty="0">
+                <a:solidFill>
+                  <a:srgbClr val="0070C0"/>
+                </a:solidFill>
+              </a:rPr>
+              <a:t>to build a hypothesis</a:t>
+            </a:r>
+            <a:r>
+              <a:rPr lang="en-US" dirty="0"/>
+              <a:t> that might explain the problem. Once you have that, </a:t>
+            </a:r>
+            <a:r>
+              <a:rPr lang="en-US" dirty="0">
+                <a:solidFill>
+                  <a:srgbClr val="0070C0"/>
+                </a:solidFill>
+              </a:rPr>
+              <a:t>you can put it to the test</a:t>
+            </a:r>
+            <a:r>
+              <a:rPr lang="en-US" dirty="0"/>
+              <a:t>. If </a:t>
+            </a:r>
+            <a:r>
+              <a:rPr lang="en-US" dirty="0">
+                <a:solidFill>
+                  <a:srgbClr val="0070C0"/>
+                </a:solidFill>
+              </a:rPr>
+              <a:t>your test is successful</a:t>
+            </a:r>
+            <a:r>
+              <a:rPr lang="en-US" dirty="0"/>
+              <a:t>, you will </a:t>
+            </a:r>
+            <a:r>
+              <a:rPr lang="en-US" dirty="0">
+                <a:solidFill>
+                  <a:srgbClr val="00B050"/>
+                </a:solidFill>
+              </a:rPr>
+              <a:t>have found the error(s) in your solution and can proceed to think about a fix.</a:t>
+            </a:r>
+          </a:p>
+          <a:p>
+            <a:r>
+              <a:rPr lang="en-US" dirty="0"/>
+              <a:t>there is </a:t>
+            </a:r>
+            <a:r>
+              <a:rPr lang="en-US" dirty="0">
+                <a:solidFill>
+                  <a:srgbClr val="0070C0"/>
+                </a:solidFill>
+              </a:rPr>
+              <a:t>no single guaranteed method for debugging</a:t>
+            </a:r>
+            <a:r>
+              <a:rPr lang="en-US" dirty="0"/>
+              <a:t>, but </a:t>
+            </a:r>
+            <a:r>
+              <a:rPr lang="en-US" dirty="0">
+                <a:solidFill>
+                  <a:srgbClr val="FF0000"/>
+                </a:solidFill>
+              </a:rPr>
+              <a:t>numerous different strategies are available (listed below) for building and testing your hypothesis.</a:t>
+            </a:r>
+            <a:endParaRPr lang="en-IN" dirty="0">
+              <a:solidFill>
+                <a:srgbClr val="FF0000"/>
+              </a:solidFill>
+            </a:endParaRPr>
+          </a:p>
+        </p:txBody>
+      </p:sp>
+    </p:spTree>
+    <p:extLst>
+      <p:ext uri="{BB962C8B-B14F-4D97-AF65-F5344CB8AC3E}">
+        <p14:creationId xmlns:p14="http://schemas.microsoft.com/office/powerpoint/2010/main" val="2870899648"/>
+      </p:ext>
+    </p:extLst>
+  </p:cSld>
+  <p:clrMapOvr>
+    <a:masterClrMapping/>
+  </p:clrMapOvr>
+</p:sld>
+</file>
+
+<file path=ppt/slides/slide22.xml><?xml version="1.0" encoding="utf-8"?>
+<p:sld xmlns:a="http://schemas.openxmlformats.org/drawingml/2006/main" xmlns:r="http://schemas.openxmlformats.org/officeDocument/2006/relationships" xmlns:p="http://schemas.openxmlformats.org/presentationml/2006/main">
+  <p:cSld>
+    <p:spTree>
+      <p:nvGrpSpPr>
+        <p:cNvPr id="1" name=""/>
+        <p:cNvGrpSpPr/>
+        <p:nvPr/>
+      </p:nvGrpSpPr>
+      <p:grpSpPr>
+        <a:xfrm>
+          <a:off x="0" y="0"/>
+          <a:ext cx="0" cy="0"/>
+          <a:chOff x="0" y="0"/>
+          <a:chExt cx="0" cy="0"/>
+        </a:xfrm>
+      </p:grpSpPr>
+      <p:sp>
+        <p:nvSpPr>
+          <p:cNvPr id="2" name="Title 1">
+            <a:extLst>
+              <a:ext uri="{FF2B5EF4-FFF2-40B4-BE49-F238E27FC236}">
+                <a16:creationId xmlns:a16="http://schemas.microsoft.com/office/drawing/2014/main" id="{5BC89422-ABE1-418B-904A-2B8E43287C93}"/>
+              </a:ext>
+            </a:extLst>
+          </p:cNvPr>
+          <p:cNvSpPr>
+            <a:spLocks noGrp="1"/>
+          </p:cNvSpPr>
+          <p:nvPr>
+            <p:ph type="title"/>
+          </p:nvPr>
+        </p:nvSpPr>
+        <p:spPr/>
+        <p:txBody>
+          <a:bodyPr/>
+          <a:lstStyle/>
+          <a:p>
+            <a:r>
+              <a:rPr lang="en-IN" dirty="0"/>
+              <a:t>Different types of Debugging</a:t>
+            </a:r>
+          </a:p>
+        </p:txBody>
+      </p:sp>
+      <p:sp>
+        <p:nvSpPr>
+          <p:cNvPr id="3" name="Content Placeholder 2">
+            <a:extLst>
+              <a:ext uri="{FF2B5EF4-FFF2-40B4-BE49-F238E27FC236}">
+                <a16:creationId xmlns:a16="http://schemas.microsoft.com/office/drawing/2014/main" id="{5D78E390-8354-4A87-A399-FD5102B77A10}"/>
+              </a:ext>
+            </a:extLst>
+          </p:cNvPr>
+          <p:cNvSpPr>
+            <a:spLocks noGrp="1"/>
+          </p:cNvSpPr>
+          <p:nvPr>
+            <p:ph idx="1"/>
+          </p:nvPr>
+        </p:nvSpPr>
+        <p:spPr/>
+        <p:txBody>
+          <a:bodyPr/>
+          <a:lstStyle/>
+          <a:p>
+            <a:r>
+              <a:rPr lang="en-IN" dirty="0"/>
+              <a:t>Be ruthless with hunches</a:t>
+            </a:r>
+          </a:p>
+          <a:p>
+            <a:r>
+              <a:rPr lang="en-IN" sz="2800" dirty="0"/>
+              <a:t>Respect Occam’s Razor</a:t>
+            </a:r>
+          </a:p>
+          <a:p>
+            <a:r>
+              <a:rPr lang="en-IN" dirty="0"/>
+              <a:t>Divide and conquer</a:t>
+            </a:r>
+          </a:p>
+          <a:p>
+            <a:r>
+              <a:rPr lang="en-US" sz="2800" dirty="0"/>
+              <a:t>Change one thing at a time</a:t>
+            </a:r>
+          </a:p>
+          <a:p>
+            <a:r>
+              <a:rPr lang="en-IN" dirty="0"/>
+              <a:t>Logging</a:t>
+            </a:r>
+          </a:p>
+          <a:p>
+            <a:r>
+              <a:rPr lang="en-IN" sz="2800" dirty="0"/>
+              <a:t>Tracing</a:t>
+            </a:r>
+          </a:p>
+          <a:p>
+            <a:pPr marL="0" indent="0">
+              <a:buNone/>
+            </a:pPr>
+            <a:endParaRPr lang="en-IN" dirty="0"/>
+          </a:p>
+          <a:p>
+            <a:endParaRPr lang="en-IN" sz="2800" dirty="0"/>
+          </a:p>
+          <a:p>
+            <a:endParaRPr lang="en-IN" dirty="0"/>
+          </a:p>
+          <a:p>
+            <a:endParaRPr lang="en-US" sz="2800" dirty="0"/>
+          </a:p>
+          <a:p>
+            <a:endParaRPr lang="en-IN" dirty="0"/>
+          </a:p>
+          <a:p>
+            <a:endParaRPr lang="en-IN" dirty="0"/>
+          </a:p>
+        </p:txBody>
+      </p:sp>
+    </p:spTree>
+    <p:extLst>
+      <p:ext uri="{BB962C8B-B14F-4D97-AF65-F5344CB8AC3E}">
+        <p14:creationId xmlns:p14="http://schemas.microsoft.com/office/powerpoint/2010/main" val="3585608948"/>
+      </p:ext>
+    </p:extLst>
+  </p:cSld>
+  <p:clrMapOvr>
+    <a:masterClrMapping/>
+  </p:clrMapOvr>
+</p:sld>
+</file>
+
+<file path=ppt/slides/slide23.xml><?xml version="1.0" encoding="utf-8"?>
+<p:sld xmlns:a="http://schemas.openxmlformats.org/drawingml/2006/main" xmlns:r="http://schemas.openxmlformats.org/officeDocument/2006/relationships" xmlns:p="http://schemas.openxmlformats.org/presentationml/2006/main">
+  <p:cSld>
+    <p:spTree>
+      <p:nvGrpSpPr>
+        <p:cNvPr id="1" name=""/>
+        <p:cNvGrpSpPr/>
+        <p:nvPr/>
+      </p:nvGrpSpPr>
+      <p:grpSpPr>
+        <a:xfrm>
+          <a:off x="0" y="0"/>
+          <a:ext cx="0" cy="0"/>
+          <a:chOff x="0" y="0"/>
+          <a:chExt cx="0" cy="0"/>
+        </a:xfrm>
+      </p:grpSpPr>
+      <p:sp>
+        <p:nvSpPr>
+          <p:cNvPr id="2" name="Title 1">
+            <a:extLst>
+              <a:ext uri="{FF2B5EF4-FFF2-40B4-BE49-F238E27FC236}">
+                <a16:creationId xmlns:a16="http://schemas.microsoft.com/office/drawing/2014/main" id="{B8D97577-A214-4D95-B3DD-656333993233}"/>
+              </a:ext>
+            </a:extLst>
+          </p:cNvPr>
+          <p:cNvSpPr>
+            <a:spLocks noGrp="1"/>
+          </p:cNvSpPr>
+          <p:nvPr>
+            <p:ph type="title"/>
+          </p:nvPr>
+        </p:nvSpPr>
+        <p:spPr/>
+        <p:txBody>
+          <a:bodyPr/>
+          <a:lstStyle/>
+          <a:p>
+            <a:endParaRPr lang="en-IN"/>
+          </a:p>
+        </p:txBody>
+      </p:sp>
+      <p:sp>
+        <p:nvSpPr>
+          <p:cNvPr id="3" name="Content Placeholder 2">
+            <a:extLst>
+              <a:ext uri="{FF2B5EF4-FFF2-40B4-BE49-F238E27FC236}">
+                <a16:creationId xmlns:a16="http://schemas.microsoft.com/office/drawing/2014/main" id="{848FED33-4006-402B-80A0-2599966BA87D}"/>
+              </a:ext>
+            </a:extLst>
+          </p:cNvPr>
+          <p:cNvSpPr>
+            <a:spLocks noGrp="1"/>
+          </p:cNvSpPr>
+          <p:nvPr>
+            <p:ph idx="1"/>
+          </p:nvPr>
+        </p:nvSpPr>
+        <p:spPr/>
+        <p:txBody>
+          <a:bodyPr/>
+          <a:lstStyle/>
+          <a:p>
+            <a:r>
+              <a:rPr lang="en-IN" dirty="0"/>
+              <a:t>Be ruthless with hunches</a:t>
+            </a:r>
+          </a:p>
+          <a:p>
+            <a:pPr lvl="1"/>
+            <a:r>
+              <a:rPr lang="en-US" dirty="0"/>
+              <a:t>If </a:t>
+            </a:r>
+            <a:r>
+              <a:rPr lang="en-US" dirty="0">
+                <a:solidFill>
+                  <a:srgbClr val="0070C0"/>
+                </a:solidFill>
+              </a:rPr>
+              <a:t>you have a hunch about the problem</a:t>
+            </a:r>
+            <a:r>
+              <a:rPr lang="en-US" dirty="0"/>
+              <a:t>, try it. You created the system, so you should have a good feel for how it works and how it might go wrong.</a:t>
+            </a:r>
+          </a:p>
+          <a:p>
+            <a:pPr lvl="1"/>
+            <a:r>
+              <a:rPr lang="en-US" dirty="0"/>
+              <a:t> However, if </a:t>
+            </a:r>
+            <a:r>
+              <a:rPr lang="en-US" dirty="0">
+                <a:solidFill>
+                  <a:srgbClr val="0070C0"/>
+                </a:solidFill>
+              </a:rPr>
+              <a:t>your hunch is proved incorrect, discard it immediately</a:t>
+            </a:r>
+            <a:r>
+              <a:rPr lang="en-US" dirty="0"/>
+              <a:t>! Don’t get overly attached to your </a:t>
+            </a:r>
+            <a:r>
+              <a:rPr lang="en-US" dirty="0" err="1"/>
+              <a:t>favourite</a:t>
+            </a:r>
+            <a:r>
+              <a:rPr lang="en-US" dirty="0"/>
+              <a:t> explanation.</a:t>
+            </a:r>
+          </a:p>
+          <a:p>
+            <a:pPr lvl="1"/>
+            <a:endParaRPr lang="en-US" dirty="0"/>
+          </a:p>
+          <a:p>
+            <a:pPr marL="228600" lvl="1">
+              <a:spcBef>
+                <a:spcPts val="1000"/>
+              </a:spcBef>
+            </a:pPr>
+            <a:r>
+              <a:rPr lang="en-IN" sz="2800" dirty="0"/>
+              <a:t>Respect Occam’s Razor</a:t>
+            </a:r>
+            <a:endParaRPr lang="en-US" sz="2800" dirty="0"/>
+          </a:p>
+          <a:p>
+            <a:pPr lvl="1"/>
+            <a:r>
+              <a:rPr lang="en-US" dirty="0"/>
+              <a:t>You may well have several ideas about what could be causing the problem. Some </a:t>
+            </a:r>
+            <a:r>
+              <a:rPr lang="en-US" dirty="0">
+                <a:solidFill>
+                  <a:srgbClr val="0070C0"/>
+                </a:solidFill>
+              </a:rPr>
+              <a:t>might be simple, others complex</a:t>
+            </a:r>
+            <a:r>
+              <a:rPr lang="en-US" dirty="0"/>
+              <a:t>. Occam’s Razor is a principle in problem-solving that tells us </a:t>
+            </a:r>
+            <a:r>
+              <a:rPr lang="en-US" dirty="0">
+                <a:solidFill>
+                  <a:srgbClr val="0070C0"/>
+                </a:solidFill>
+              </a:rPr>
+              <a:t>the simpler explanation </a:t>
+            </a:r>
+            <a:r>
+              <a:rPr lang="en-US" dirty="0"/>
+              <a:t>– the one that requires us to make the fewest assumptions – is most likely the correct one.</a:t>
+            </a:r>
+            <a:endParaRPr lang="en-IN" dirty="0"/>
+          </a:p>
+        </p:txBody>
+      </p:sp>
+    </p:spTree>
+    <p:extLst>
+      <p:ext uri="{BB962C8B-B14F-4D97-AF65-F5344CB8AC3E}">
+        <p14:creationId xmlns:p14="http://schemas.microsoft.com/office/powerpoint/2010/main" val="2346348569"/>
+      </p:ext>
+    </p:extLst>
+  </p:cSld>
+  <p:clrMapOvr>
+    <a:masterClrMapping/>
+  </p:clrMapOvr>
+</p:sld>
+</file>
+
+<file path=ppt/slides/slide24.xml><?xml version="1.0" encoding="utf-8"?>
+<p:sld xmlns:a="http://schemas.openxmlformats.org/drawingml/2006/main" xmlns:r="http://schemas.openxmlformats.org/officeDocument/2006/relationships" xmlns:p="http://schemas.openxmlformats.org/presentationml/2006/main">
+  <p:cSld>
+    <p:spTree>
+      <p:nvGrpSpPr>
+        <p:cNvPr id="1" name=""/>
+        <p:cNvGrpSpPr/>
+        <p:nvPr/>
+      </p:nvGrpSpPr>
+      <p:grpSpPr>
+        <a:xfrm>
+          <a:off x="0" y="0"/>
+          <a:ext cx="0" cy="0"/>
+          <a:chOff x="0" y="0"/>
+          <a:chExt cx="0" cy="0"/>
+        </a:xfrm>
+      </p:grpSpPr>
+      <p:sp>
+        <p:nvSpPr>
+          <p:cNvPr id="2" name="Title 1">
+            <a:extLst>
+              <a:ext uri="{FF2B5EF4-FFF2-40B4-BE49-F238E27FC236}">
+                <a16:creationId xmlns:a16="http://schemas.microsoft.com/office/drawing/2014/main" id="{BB0B6EF8-A841-483A-B816-2A53456A738E}"/>
+              </a:ext>
+            </a:extLst>
+          </p:cNvPr>
+          <p:cNvSpPr>
+            <a:spLocks noGrp="1"/>
+          </p:cNvSpPr>
+          <p:nvPr>
+            <p:ph type="title"/>
+          </p:nvPr>
+        </p:nvSpPr>
+        <p:spPr/>
+        <p:txBody>
+          <a:bodyPr/>
+          <a:lstStyle/>
+          <a:p>
+            <a:endParaRPr lang="en-IN"/>
+          </a:p>
+        </p:txBody>
+      </p:sp>
+      <p:sp>
+        <p:nvSpPr>
+          <p:cNvPr id="3" name="Content Placeholder 2">
+            <a:extLst>
+              <a:ext uri="{FF2B5EF4-FFF2-40B4-BE49-F238E27FC236}">
+                <a16:creationId xmlns:a16="http://schemas.microsoft.com/office/drawing/2014/main" id="{1EA24F1F-8474-4CB4-8297-2D7B4071675F}"/>
+              </a:ext>
+            </a:extLst>
+          </p:cNvPr>
+          <p:cNvSpPr>
+            <a:spLocks noGrp="1"/>
+          </p:cNvSpPr>
+          <p:nvPr>
+            <p:ph idx="1"/>
+          </p:nvPr>
+        </p:nvSpPr>
+        <p:spPr/>
+        <p:txBody>
+          <a:bodyPr>
+            <a:normAutofit lnSpcReduction="10000"/>
+          </a:bodyPr>
+          <a:lstStyle/>
+          <a:p>
+            <a:r>
+              <a:rPr lang="en-IN" dirty="0"/>
+              <a:t>Divide and conquer</a:t>
+            </a:r>
+          </a:p>
+          <a:p>
+            <a:pPr lvl="1"/>
+            <a:r>
+              <a:rPr lang="en-US" dirty="0"/>
+              <a:t>you broke down your problem using a divide-and-conquer approach, you can now take advantage of that by using the same approach to debugging. </a:t>
+            </a:r>
+            <a:r>
+              <a:rPr lang="en-US" dirty="0">
+                <a:solidFill>
+                  <a:srgbClr val="0070C0"/>
+                </a:solidFill>
+              </a:rPr>
+              <a:t>Tree like structure.</a:t>
+            </a:r>
+            <a:endParaRPr lang="en-IN" dirty="0">
+              <a:solidFill>
+                <a:srgbClr val="0070C0"/>
+              </a:solidFill>
+            </a:endParaRPr>
+          </a:p>
+          <a:p>
+            <a:pPr marL="228600" lvl="1">
+              <a:spcBef>
+                <a:spcPts val="1000"/>
+              </a:spcBef>
+            </a:pPr>
+            <a:r>
+              <a:rPr lang="en-US" sz="2800" dirty="0"/>
+              <a:t>Change one thing at a time</a:t>
+            </a:r>
+            <a:endParaRPr lang="en-IN" sz="2800" dirty="0"/>
+          </a:p>
+          <a:p>
+            <a:pPr lvl="1"/>
+            <a:r>
+              <a:rPr lang="en-US" dirty="0"/>
+              <a:t>Good debugging is like </a:t>
+            </a:r>
+            <a:r>
+              <a:rPr lang="en-US" dirty="0">
+                <a:solidFill>
+                  <a:srgbClr val="0070C0"/>
+                </a:solidFill>
+              </a:rPr>
+              <a:t>good experimentation</a:t>
+            </a:r>
+            <a:r>
+              <a:rPr lang="en-US" dirty="0"/>
+              <a:t>.</a:t>
+            </a:r>
+            <a:endParaRPr lang="en-IN" dirty="0"/>
+          </a:p>
+          <a:p>
+            <a:pPr lvl="1"/>
+            <a:r>
+              <a:rPr lang="en-IN" dirty="0" err="1"/>
+              <a:t>Eg</a:t>
+            </a:r>
+            <a:r>
+              <a:rPr lang="en-IN" dirty="0"/>
+              <a:t>: </a:t>
+            </a:r>
+            <a:r>
+              <a:rPr lang="en-US" dirty="0">
+                <a:solidFill>
+                  <a:srgbClr val="0070C0"/>
+                </a:solidFill>
+              </a:rPr>
+              <a:t>When a scientist carries out an experiment</a:t>
+            </a:r>
+            <a:r>
+              <a:rPr lang="en-US" dirty="0"/>
+              <a:t>, they’re </a:t>
+            </a:r>
+            <a:r>
+              <a:rPr lang="en-US" dirty="0">
+                <a:solidFill>
+                  <a:srgbClr val="00B050"/>
+                </a:solidFill>
+              </a:rPr>
+              <a:t>looking for the cause of something</a:t>
+            </a:r>
+            <a:r>
+              <a:rPr lang="en-US" dirty="0"/>
+              <a:t>. In their case, </a:t>
+            </a:r>
+            <a:r>
+              <a:rPr lang="en-US" dirty="0">
+                <a:solidFill>
+                  <a:srgbClr val="0070C0"/>
+                </a:solidFill>
+              </a:rPr>
+              <a:t>they vary some factors and </a:t>
+            </a:r>
+            <a:r>
+              <a:rPr lang="en-US" dirty="0" err="1">
+                <a:solidFill>
+                  <a:srgbClr val="0070C0"/>
+                </a:solidFill>
+              </a:rPr>
+              <a:t>analyse</a:t>
+            </a:r>
+            <a:r>
+              <a:rPr lang="en-US" dirty="0">
+                <a:solidFill>
+                  <a:srgbClr val="0070C0"/>
+                </a:solidFill>
+              </a:rPr>
+              <a:t> the consequences to establish a link between cause and effect</a:t>
+            </a:r>
+            <a:r>
+              <a:rPr lang="en-US" dirty="0"/>
+              <a:t>. However, a scientist takes extra care </a:t>
+            </a:r>
+            <a:r>
+              <a:rPr lang="en-US" dirty="0">
+                <a:solidFill>
+                  <a:srgbClr val="FF0000"/>
+                </a:solidFill>
+              </a:rPr>
+              <a:t>to vary only one factor at a time</a:t>
+            </a:r>
+            <a:r>
+              <a:rPr lang="en-US" dirty="0"/>
+              <a:t>. After all, if they </a:t>
+            </a:r>
+            <a:r>
+              <a:rPr lang="en-US" dirty="0">
+                <a:solidFill>
+                  <a:srgbClr val="FF0000"/>
+                </a:solidFill>
+              </a:rPr>
+              <a:t>tweak three factors at once and then successfully detect an effect</a:t>
+            </a:r>
+            <a:r>
+              <a:rPr lang="en-US" dirty="0"/>
+              <a:t>, how can they know which of the three factors was responsible?</a:t>
+            </a:r>
+            <a:endParaRPr lang="en-IN" dirty="0"/>
+          </a:p>
+        </p:txBody>
+      </p:sp>
+    </p:spTree>
+    <p:extLst>
+      <p:ext uri="{BB962C8B-B14F-4D97-AF65-F5344CB8AC3E}">
+        <p14:creationId xmlns:p14="http://schemas.microsoft.com/office/powerpoint/2010/main" val="1191190296"/>
+      </p:ext>
+    </p:extLst>
+  </p:cSld>
+  <p:clrMapOvr>
+    <a:masterClrMapping/>
+  </p:clrMapOvr>
+</p:sld>
+</file>
+
+<file path=ppt/slides/slide25.xml><?xml version="1.0" encoding="utf-8"?>
+<p:sld xmlns:a="http://schemas.openxmlformats.org/drawingml/2006/main" xmlns:r="http://schemas.openxmlformats.org/officeDocument/2006/relationships" xmlns:p="http://schemas.openxmlformats.org/presentationml/2006/main">
+  <p:cSld>
+    <p:spTree>
+      <p:nvGrpSpPr>
+        <p:cNvPr id="1" name=""/>
+        <p:cNvGrpSpPr/>
+        <p:nvPr/>
+      </p:nvGrpSpPr>
+      <p:grpSpPr>
+        <a:xfrm>
+          <a:off x="0" y="0"/>
+          <a:ext cx="0" cy="0"/>
+          <a:chOff x="0" y="0"/>
+          <a:chExt cx="0" cy="0"/>
+        </a:xfrm>
+      </p:grpSpPr>
+      <p:sp>
+        <p:nvSpPr>
+          <p:cNvPr id="2" name="Title 1">
+            <a:extLst>
+              <a:ext uri="{FF2B5EF4-FFF2-40B4-BE49-F238E27FC236}">
+                <a16:creationId xmlns:a16="http://schemas.microsoft.com/office/drawing/2014/main" id="{49B45865-98F7-4492-8657-90EDB0CEB3DF}"/>
+              </a:ext>
+            </a:extLst>
+          </p:cNvPr>
+          <p:cNvSpPr>
+            <a:spLocks noGrp="1"/>
+          </p:cNvSpPr>
+          <p:nvPr>
+            <p:ph type="title"/>
+          </p:nvPr>
+        </p:nvSpPr>
+        <p:spPr/>
+        <p:txBody>
+          <a:bodyPr/>
+          <a:lstStyle/>
+          <a:p>
+            <a:endParaRPr lang="en-IN"/>
+          </a:p>
+        </p:txBody>
+      </p:sp>
+      <p:sp>
+        <p:nvSpPr>
+          <p:cNvPr id="3" name="Content Placeholder 2">
+            <a:extLst>
+              <a:ext uri="{FF2B5EF4-FFF2-40B4-BE49-F238E27FC236}">
+                <a16:creationId xmlns:a16="http://schemas.microsoft.com/office/drawing/2014/main" id="{6F6100FD-D1E4-4637-8208-F43349D239B7}"/>
+              </a:ext>
+            </a:extLst>
+          </p:cNvPr>
+          <p:cNvSpPr>
+            <a:spLocks noGrp="1"/>
+          </p:cNvSpPr>
+          <p:nvPr>
+            <p:ph idx="1"/>
+          </p:nvPr>
+        </p:nvSpPr>
+        <p:spPr/>
+        <p:txBody>
+          <a:bodyPr>
+            <a:normAutofit fontScale="92500" lnSpcReduction="10000"/>
+          </a:bodyPr>
+          <a:lstStyle/>
+          <a:p>
+            <a:r>
+              <a:rPr lang="en-IN" dirty="0"/>
+              <a:t>Logging</a:t>
+            </a:r>
+          </a:p>
+          <a:p>
+            <a:pPr lvl="1"/>
+            <a:r>
+              <a:rPr lang="en-US" dirty="0"/>
+              <a:t>At some point </a:t>
+            </a:r>
+            <a:r>
+              <a:rPr lang="en-US" dirty="0">
+                <a:solidFill>
+                  <a:srgbClr val="0070C0"/>
+                </a:solidFill>
+              </a:rPr>
+              <a:t>you’ll likely observe that your solution does something unexpected</a:t>
+            </a:r>
+            <a:r>
+              <a:rPr lang="en-US" dirty="0"/>
+              <a:t>; either it does something you didn’t intend it to or it doesn’t do something it should have.</a:t>
+            </a:r>
+            <a:endParaRPr lang="en-IN" dirty="0"/>
+          </a:p>
+          <a:p>
+            <a:pPr lvl="1"/>
+            <a:r>
+              <a:rPr lang="en-US" dirty="0"/>
+              <a:t>However, </a:t>
+            </a:r>
+            <a:r>
+              <a:rPr lang="en-US" dirty="0">
+                <a:solidFill>
+                  <a:srgbClr val="00B050"/>
+                </a:solidFill>
+              </a:rPr>
+              <a:t>you can get something of an overview by inserting an additional logging instruction somewhere in your algorithm</a:t>
+            </a:r>
+            <a:r>
+              <a:rPr lang="en-US" dirty="0"/>
+              <a:t>. When this instruction is executed it will flag it up (</a:t>
+            </a:r>
+            <a:r>
+              <a:rPr lang="en-US" dirty="0">
+                <a:solidFill>
+                  <a:srgbClr val="00B050"/>
+                </a:solidFill>
+              </a:rPr>
+              <a:t>for example, by printing out a message</a:t>
+            </a:r>
+            <a:r>
+              <a:rPr lang="en-US" dirty="0"/>
+              <a:t>).</a:t>
+            </a:r>
+            <a:endParaRPr lang="en-IN" dirty="0"/>
+          </a:p>
+          <a:p>
+            <a:pPr marL="228600" lvl="1">
+              <a:lnSpc>
+                <a:spcPct val="100000"/>
+              </a:lnSpc>
+              <a:spcBef>
+                <a:spcPts val="1000"/>
+              </a:spcBef>
+            </a:pPr>
+            <a:r>
+              <a:rPr lang="en-IN" sz="2800" dirty="0"/>
+              <a:t>Tracing</a:t>
+            </a:r>
+          </a:p>
+          <a:p>
+            <a:pPr lvl="1"/>
+            <a:r>
+              <a:rPr lang="en-US" dirty="0"/>
+              <a:t>Sometimes </a:t>
+            </a:r>
+            <a:r>
+              <a:rPr lang="en-US" dirty="0">
+                <a:solidFill>
+                  <a:srgbClr val="0070C0"/>
+                </a:solidFill>
+              </a:rPr>
+              <a:t>the only way to diagnose a problem is to go line by line through each instruction</a:t>
+            </a:r>
+            <a:r>
+              <a:rPr lang="en-US" dirty="0"/>
+              <a:t> and </a:t>
+            </a:r>
+            <a:r>
+              <a:rPr lang="en-US" dirty="0">
+                <a:solidFill>
+                  <a:srgbClr val="00B050"/>
+                </a:solidFill>
+              </a:rPr>
+              <a:t>see for yourself what the computer is actually doing.</a:t>
+            </a:r>
+            <a:endParaRPr lang="en-IN" dirty="0">
+              <a:solidFill>
+                <a:srgbClr val="00B050"/>
+              </a:solidFill>
+            </a:endParaRPr>
+          </a:p>
+          <a:p>
+            <a:pPr lvl="1"/>
+            <a:r>
+              <a:rPr lang="en-US" dirty="0">
+                <a:solidFill>
+                  <a:srgbClr val="0070C0"/>
+                </a:solidFill>
+              </a:rPr>
+              <a:t>You can do this yourself by hand</a:t>
+            </a:r>
+            <a:r>
+              <a:rPr lang="en-US" dirty="0"/>
+              <a:t>, pretending to be the computer. You will need to go through each instruction, execute it, and keep track of the changes to any data the algorithm maintains.</a:t>
+            </a:r>
+            <a:endParaRPr lang="en-IN" dirty="0"/>
+          </a:p>
+        </p:txBody>
+      </p:sp>
+    </p:spTree>
+    <p:extLst>
+      <p:ext uri="{BB962C8B-B14F-4D97-AF65-F5344CB8AC3E}">
+        <p14:creationId xmlns:p14="http://schemas.microsoft.com/office/powerpoint/2010/main" val="1895710896"/>
+      </p:ext>
+    </p:extLst>
+  </p:cSld>
+  <p:clrMapOvr>
+    <a:masterClrMapping/>
+  </p:clrMapOvr>
+</p:sld>
+</file>
+
+<file path=ppt/slides/slide26.xml><?xml version="1.0" encoding="utf-8"?>
+<p:sld xmlns:a="http://schemas.openxmlformats.org/drawingml/2006/main" xmlns:r="http://schemas.openxmlformats.org/officeDocument/2006/relationships" xmlns:p="http://schemas.openxmlformats.org/presentationml/2006/main">
+  <p:cSld>
+    <p:spTree>
+      <p:nvGrpSpPr>
+        <p:cNvPr id="1" name=""/>
+        <p:cNvGrpSpPr/>
+        <p:nvPr/>
+      </p:nvGrpSpPr>
+      <p:grpSpPr>
+        <a:xfrm>
+          <a:off x="0" y="0"/>
+          <a:ext cx="0" cy="0"/>
+          <a:chOff x="0" y="0"/>
+          <a:chExt cx="0" cy="0"/>
+        </a:xfrm>
+      </p:grpSpPr>
+      <p:sp>
+        <p:nvSpPr>
+          <p:cNvPr id="2" name="Title 1">
+            <a:extLst>
+              <a:ext uri="{FF2B5EF4-FFF2-40B4-BE49-F238E27FC236}">
+                <a16:creationId xmlns:a16="http://schemas.microsoft.com/office/drawing/2014/main" id="{06EC885F-710D-4556-AFE2-8C80D2253012}"/>
+              </a:ext>
+            </a:extLst>
+          </p:cNvPr>
+          <p:cNvSpPr>
+            <a:spLocks noGrp="1"/>
+          </p:cNvSpPr>
+          <p:nvPr>
+            <p:ph type="title"/>
+          </p:nvPr>
+        </p:nvSpPr>
+        <p:spPr/>
+        <p:txBody>
+          <a:bodyPr/>
+          <a:lstStyle/>
+          <a:p>
+            <a:r>
+              <a:rPr lang="en-IN" dirty="0"/>
+              <a:t>Reminder</a:t>
+            </a:r>
+          </a:p>
+        </p:txBody>
+      </p:sp>
+      <p:sp>
+        <p:nvSpPr>
+          <p:cNvPr id="3" name="Content Placeholder 2">
+            <a:extLst>
+              <a:ext uri="{FF2B5EF4-FFF2-40B4-BE49-F238E27FC236}">
+                <a16:creationId xmlns:a16="http://schemas.microsoft.com/office/drawing/2014/main" id="{EFDC9CE9-3D38-4A47-9093-49554B33D026}"/>
+              </a:ext>
+            </a:extLst>
+          </p:cNvPr>
+          <p:cNvSpPr>
+            <a:spLocks noGrp="1"/>
+          </p:cNvSpPr>
+          <p:nvPr>
+            <p:ph idx="1"/>
+          </p:nvPr>
+        </p:nvSpPr>
+        <p:spPr/>
+        <p:txBody>
+          <a:bodyPr/>
+          <a:lstStyle/>
+          <a:p>
+            <a:r>
+              <a:rPr lang="en-IN" dirty="0"/>
+              <a:t>CA test on December 28.</a:t>
+            </a:r>
+          </a:p>
+          <a:p>
+            <a:r>
+              <a:rPr lang="en-IN" dirty="0"/>
+              <a:t>Fix the time table- Representative</a:t>
+            </a:r>
+          </a:p>
+          <a:p>
+            <a:r>
+              <a:rPr lang="en-IN" dirty="0"/>
+              <a:t>CCM – class committee meeting on </a:t>
+            </a:r>
+            <a:r>
+              <a:rPr lang="en-IN"/>
+              <a:t>next Saturday 19/12/2020.</a:t>
+            </a:r>
+            <a:endParaRPr lang="en-IN" dirty="0"/>
+          </a:p>
+          <a:p>
+            <a:r>
+              <a:rPr lang="en-IN" dirty="0"/>
+              <a:t>Attendance</a:t>
+            </a:r>
+          </a:p>
+          <a:p>
+            <a:pPr marL="0" indent="0">
+              <a:buNone/>
+            </a:pPr>
+            <a:endParaRPr lang="en-IN" dirty="0"/>
+          </a:p>
+        </p:txBody>
+      </p:sp>
+    </p:spTree>
+    <p:extLst>
+      <p:ext uri="{BB962C8B-B14F-4D97-AF65-F5344CB8AC3E}">
+        <p14:creationId xmlns:p14="http://schemas.microsoft.com/office/powerpoint/2010/main" val="1300366868"/>
       </p:ext>
     </p:extLst>
   </p:cSld>
